--- a/Presentation.pptx
+++ b/Presentation.pptx
@@ -143,6 +143,81 @@
 </p1510:revInfo>
 </file>
 
+<file path=ppt/changesInfos/changesInfo1.xml><?xml version="1.0" encoding="utf-8"?>
+<pc:chgInfo xmlns:a="http://schemas.openxmlformats.org/drawingml/2006/main" xmlns:r="http://schemas.openxmlformats.org/officeDocument/2006/relationships" xmlns:ac="http://schemas.microsoft.com/office/drawing/2013/main/command" xmlns:pc="http://schemas.microsoft.com/office/powerpoint/2013/main/command">
+  <pc:docChgLst>
+    <pc:chgData name="Malak Mosly" userId="71cd6e505db26f54" providerId="LiveId" clId="{9EDA72CB-2ADB-49F6-AF6B-E431EC4ABAF1}"/>
+    <pc:docChg chg="custSel modSld">
+      <pc:chgData name="Malak Mosly" userId="71cd6e505db26f54" providerId="LiveId" clId="{9EDA72CB-2ADB-49F6-AF6B-E431EC4ABAF1}" dt="2022-11-14T05:53:05.053" v="52" actId="478"/>
+      <pc:docMkLst>
+        <pc:docMk/>
+      </pc:docMkLst>
+      <pc:sldChg chg="delSp modSp mod">
+        <pc:chgData name="Malak Mosly" userId="71cd6e505db26f54" providerId="LiveId" clId="{9EDA72CB-2ADB-49F6-AF6B-E431EC4ABAF1}" dt="2022-11-14T05:52:54.161" v="31" actId="478"/>
+        <pc:sldMkLst>
+          <pc:docMk/>
+          <pc:sldMk cId="1742861620" sldId="266"/>
+        </pc:sldMkLst>
+        <pc:spChg chg="del">
+          <ac:chgData name="Malak Mosly" userId="71cd6e505db26f54" providerId="LiveId" clId="{9EDA72CB-2ADB-49F6-AF6B-E431EC4ABAF1}" dt="2022-11-14T05:52:54.161" v="31" actId="478"/>
+          <ac:spMkLst>
+            <pc:docMk/>
+            <pc:sldMk cId="1742861620" sldId="266"/>
+            <ac:spMk id="4" creationId="{00560550-EE65-43CE-B899-F421E74287A1}"/>
+          </ac:spMkLst>
+        </pc:spChg>
+        <pc:spChg chg="mod">
+          <ac:chgData name="Malak Mosly" userId="71cd6e505db26f54" providerId="LiveId" clId="{9EDA72CB-2ADB-49F6-AF6B-E431EC4ABAF1}" dt="2022-11-14T05:52:50.919" v="30" actId="20577"/>
+          <ac:spMkLst>
+            <pc:docMk/>
+            <pc:sldMk cId="1742861620" sldId="266"/>
+            <ac:spMk id="5" creationId="{4135E32A-1A8C-43D2-9C6E-12887B4DEDFB}"/>
+          </ac:spMkLst>
+        </pc:spChg>
+      </pc:sldChg>
+      <pc:sldChg chg="delSp modSp mod">
+        <pc:chgData name="Malak Mosly" userId="71cd6e505db26f54" providerId="LiveId" clId="{9EDA72CB-2ADB-49F6-AF6B-E431EC4ABAF1}" dt="2022-11-14T05:53:05.053" v="52" actId="478"/>
+        <pc:sldMkLst>
+          <pc:docMk/>
+          <pc:sldMk cId="1969787568" sldId="271"/>
+        </pc:sldMkLst>
+        <pc:spChg chg="del">
+          <ac:chgData name="Malak Mosly" userId="71cd6e505db26f54" providerId="LiveId" clId="{9EDA72CB-2ADB-49F6-AF6B-E431EC4ABAF1}" dt="2022-11-14T05:53:05.053" v="52" actId="478"/>
+          <ac:spMkLst>
+            <pc:docMk/>
+            <pc:sldMk cId="1969787568" sldId="271"/>
+            <ac:spMk id="4" creationId="{A47C7382-18E7-4821-8C61-461D6BBE08FC}"/>
+          </ac:spMkLst>
+        </pc:spChg>
+        <pc:spChg chg="mod">
+          <ac:chgData name="Malak Mosly" userId="71cd6e505db26f54" providerId="LiveId" clId="{9EDA72CB-2ADB-49F6-AF6B-E431EC4ABAF1}" dt="2022-11-14T05:53:01.065" v="51" actId="20577"/>
+          <ac:spMkLst>
+            <pc:docMk/>
+            <pc:sldMk cId="1969787568" sldId="271"/>
+            <ac:spMk id="5" creationId="{3990FA1B-5022-47AB-A0AE-8F5C5797997C}"/>
+          </ac:spMkLst>
+        </pc:spChg>
+      </pc:sldChg>
+      <pc:sldChg chg="modSp mod">
+        <pc:chgData name="Malak Mosly" userId="71cd6e505db26f54" providerId="LiveId" clId="{9EDA72CB-2ADB-49F6-AF6B-E431EC4ABAF1}" dt="2022-11-14T05:52:37.857" v="10" actId="20577"/>
+        <pc:sldMkLst>
+          <pc:docMk/>
+          <pc:sldMk cId="4074070544" sldId="274"/>
+        </pc:sldMkLst>
+        <pc:spChg chg="mod">
+          <ac:chgData name="Malak Mosly" userId="71cd6e505db26f54" providerId="LiveId" clId="{9EDA72CB-2ADB-49F6-AF6B-E431EC4ABAF1}" dt="2022-11-14T05:52:37.857" v="10" actId="20577"/>
+          <ac:spMkLst>
+            <pc:docMk/>
+            <pc:sldMk cId="4074070544" sldId="274"/>
+            <ac:spMk id="4" creationId="{8257B707-AFCA-03C4-D0AF-21F18ABEBE2D}"/>
+          </ac:spMkLst>
+        </pc:spChg>
+      </pc:sldChg>
+    </pc:docChg>
+  </pc:docChgLst>
+</pc:chgInfo>
+</file>
+
 <file path=ppt/handoutMasters/handoutMaster1.xml><?xml version="1.0" encoding="utf-8"?>
 <p:handoutMaster xmlns:a="http://schemas.openxmlformats.org/drawingml/2006/main" xmlns:r="http://schemas.openxmlformats.org/officeDocument/2006/relationships" xmlns:p="http://schemas.openxmlformats.org/presentationml/2006/main">
   <p:cSld>
@@ -237,7 +312,7 @@
           <a:p>
             <a:fld id="{B56F32FC-4BD9-442A-A8C6-51598C909FE3}" type="datetimeFigureOut">
               <a:rPr lang="en-US" smtClean="0"/>
-              <a:t>11/13/2022</a:t>
+              <a:t>11/14/2022</a:t>
             </a:fld>
             <a:endParaRPr lang="en-US" dirty="0"/>
           </a:p>
@@ -414,7 +489,7 @@
           <a:p>
             <a:fld id="{056371FA-A98D-41E8-93F4-09945841298A}" type="datetimeFigureOut">
               <a:rPr lang="en-US" smtClean="0"/>
-              <a:t>11/13/2022</a:t>
+              <a:t>11/14/2022</a:t>
             </a:fld>
             <a:endParaRPr lang="en-US" dirty="0"/>
           </a:p>
@@ -11714,24 +11789,24 @@
       </p:sp>
       <p:sp>
         <p:nvSpPr>
-          <p:cNvPr id="4" name="Date Placeholder 3">
-            <a:extLst>
-              <a:ext uri="{FF2B5EF4-FFF2-40B4-BE49-F238E27FC236}">
-                <a16:creationId xmlns:a16="http://schemas.microsoft.com/office/drawing/2014/main" id="{00560550-EE65-43CE-B899-F421E74287A1}"/>
-              </a:ext>
-            </a:extLst>
-          </p:cNvPr>
-          <p:cNvSpPr>
-            <a:spLocks noGrp="1"/>
-          </p:cNvSpPr>
-          <p:nvPr>
-            <p:ph type="dt" sz="half" idx="10"/>
-          </p:nvPr>
-        </p:nvSpPr>
-        <p:spPr>
-          <a:xfrm>
-            <a:off x="838200" y="6356350"/>
-            <a:ext cx="2743200" cy="365125"/>
+          <p:cNvPr id="5" name="Footer Placeholder 4">
+            <a:extLst>
+              <a:ext uri="{FF2B5EF4-FFF2-40B4-BE49-F238E27FC236}">
+                <a16:creationId xmlns:a16="http://schemas.microsoft.com/office/drawing/2014/main" id="{4135E32A-1A8C-43D2-9C6E-12887B4DEDFB}"/>
+              </a:ext>
+            </a:extLst>
+          </p:cNvPr>
+          <p:cNvSpPr>
+            <a:spLocks noGrp="1"/>
+          </p:cNvSpPr>
+          <p:nvPr>
+            <p:ph type="ftr" sz="quarter" idx="11"/>
+          </p:nvPr>
+        </p:nvSpPr>
+        <p:spPr>
+          <a:xfrm>
+            <a:off x="4038600" y="6356350"/>
+            <a:ext cx="4114800" cy="365125"/>
           </a:xfrm>
         </p:spPr>
         <p:txBody>
@@ -11740,40 +11815,7 @@
           <a:p>
             <a:r>
               <a:rPr lang="en-US" dirty="0"/>
-              <a:t>20XX</a:t>
-            </a:r>
-          </a:p>
-        </p:txBody>
-      </p:sp>
-      <p:sp>
-        <p:nvSpPr>
-          <p:cNvPr id="5" name="Footer Placeholder 4">
-            <a:extLst>
-              <a:ext uri="{FF2B5EF4-FFF2-40B4-BE49-F238E27FC236}">
-                <a16:creationId xmlns:a16="http://schemas.microsoft.com/office/drawing/2014/main" id="{4135E32A-1A8C-43D2-9C6E-12887B4DEDFB}"/>
-              </a:ext>
-            </a:extLst>
-          </p:cNvPr>
-          <p:cNvSpPr>
-            <a:spLocks noGrp="1"/>
-          </p:cNvSpPr>
-          <p:nvPr>
-            <p:ph type="ftr" sz="quarter" idx="11"/>
-          </p:nvPr>
-        </p:nvSpPr>
-        <p:spPr>
-          <a:xfrm>
-            <a:off x="4038600" y="6356350"/>
-            <a:ext cx="4114800" cy="365125"/>
-          </a:xfrm>
-        </p:spPr>
-        <p:txBody>
-          <a:bodyPr/>
-          <a:lstStyle/>
-          <a:p>
-            <a:r>
-              <a:rPr lang="en-US" dirty="0"/>
-              <a:t>PRESENTATION TITLE</a:t>
+              <a:t>Attrition Case Study</a:t>
             </a:r>
           </a:p>
         </p:txBody>
@@ -11928,24 +11970,24 @@
       </p:sp>
       <p:sp>
         <p:nvSpPr>
-          <p:cNvPr id="4" name="Date Placeholder 3">
-            <a:extLst>
-              <a:ext uri="{FF2B5EF4-FFF2-40B4-BE49-F238E27FC236}">
-                <a16:creationId xmlns:a16="http://schemas.microsoft.com/office/drawing/2014/main" id="{A47C7382-18E7-4821-8C61-461D6BBE08FC}"/>
-              </a:ext>
-            </a:extLst>
-          </p:cNvPr>
-          <p:cNvSpPr>
-            <a:spLocks noGrp="1"/>
-          </p:cNvSpPr>
-          <p:nvPr>
-            <p:ph type="dt" sz="half" idx="10"/>
-          </p:nvPr>
-        </p:nvSpPr>
-        <p:spPr>
-          <a:xfrm>
-            <a:off x="4267200" y="6356350"/>
-            <a:ext cx="1774371" cy="365125"/>
+          <p:cNvPr id="5" name="Footer Placeholder 4">
+            <a:extLst>
+              <a:ext uri="{FF2B5EF4-FFF2-40B4-BE49-F238E27FC236}">
+                <a16:creationId xmlns:a16="http://schemas.microsoft.com/office/drawing/2014/main" id="{3990FA1B-5022-47AB-A0AE-8F5C5797997C}"/>
+              </a:ext>
+            </a:extLst>
+          </p:cNvPr>
+          <p:cNvSpPr>
+            <a:spLocks noGrp="1"/>
+          </p:cNvSpPr>
+          <p:nvPr>
+            <p:ph type="ftr" sz="quarter" idx="11"/>
+          </p:nvPr>
+        </p:nvSpPr>
+        <p:spPr>
+          <a:xfrm>
+            <a:off x="6479721" y="6356350"/>
+            <a:ext cx="2661557" cy="365125"/>
           </a:xfrm>
         </p:spPr>
         <p:txBody>
@@ -11954,40 +11996,7 @@
           <a:p>
             <a:r>
               <a:rPr lang="en-US" dirty="0"/>
-              <a:t>20XX</a:t>
-            </a:r>
-          </a:p>
-        </p:txBody>
-      </p:sp>
-      <p:sp>
-        <p:nvSpPr>
-          <p:cNvPr id="5" name="Footer Placeholder 4">
-            <a:extLst>
-              <a:ext uri="{FF2B5EF4-FFF2-40B4-BE49-F238E27FC236}">
-                <a16:creationId xmlns:a16="http://schemas.microsoft.com/office/drawing/2014/main" id="{3990FA1B-5022-47AB-A0AE-8F5C5797997C}"/>
-              </a:ext>
-            </a:extLst>
-          </p:cNvPr>
-          <p:cNvSpPr>
-            <a:spLocks noGrp="1"/>
-          </p:cNvSpPr>
-          <p:nvPr>
-            <p:ph type="ftr" sz="quarter" idx="11"/>
-          </p:nvPr>
-        </p:nvSpPr>
-        <p:spPr>
-          <a:xfrm>
-            <a:off x="6479721" y="6356350"/>
-            <a:ext cx="2661557" cy="365125"/>
-          </a:xfrm>
-        </p:spPr>
-        <p:txBody>
-          <a:bodyPr/>
-          <a:lstStyle/>
-          <a:p>
-            <a:r>
-              <a:rPr lang="en-US" dirty="0"/>
-              <a:t>PRESENTATION TITLE</a:t>
+              <a:t>Attrition Case Study</a:t>
             </a:r>
           </a:p>
         </p:txBody>
@@ -12603,7 +12612,7 @@
           <a:p>
             <a:r>
               <a:rPr lang="en-US" dirty="0"/>
-              <a:t>Attrition</a:t>
+              <a:t>Attrition Case Study</a:t>
             </a:r>
           </a:p>
         </p:txBody>
@@ -14314,6 +14323,15 @@
 </file>
 
 <file path=customXml/item1.xml><?xml version="1.0" encoding="utf-8"?>
+<?mso-contentType ?>
+<FormTemplates xmlns="http://schemas.microsoft.com/sharepoint/v3/contenttype/forms">
+  <Display>DocumentLibraryForm</Display>
+  <Edit>DocumentLibraryForm</Edit>
+  <New>DocumentLibraryForm</New>
+</FormTemplates>
+</file>
+
+<file path=customXml/item2.xml><?xml version="1.0" encoding="utf-8"?>
 <p:properties xmlns:p="http://schemas.microsoft.com/office/2006/metadata/properties" xmlns:xsi="http://www.w3.org/2001/XMLSchema-instance" xmlns:pc="http://schemas.microsoft.com/office/infopath/2007/PartnerControls">
   <documentManagement>
     <_ip_UnifiedCompliancePolicyUIAction xmlns="http://schemas.microsoft.com/sharepoint/v3" xsi:nil="true"/>
@@ -14330,15 +14348,6 @@
     <MediaServiceKeyPoints xmlns="71af3243-3dd4-4a8d-8c0d-dd76da1f02a5" xsi:nil="true"/>
   </documentManagement>
 </p:properties>
-</file>
-
-<file path=customXml/item2.xml><?xml version="1.0" encoding="utf-8"?>
-<?mso-contentType ?>
-<FormTemplates xmlns="http://schemas.microsoft.com/sharepoint/v3/contenttype/forms">
-  <Display>DocumentLibraryForm</Display>
-  <Edit>DocumentLibraryForm</Edit>
-  <New>DocumentLibraryForm</New>
-</FormTemplates>
 </file>
 
 <file path=customXml/item3.xml><?xml version="1.0" encoding="utf-8"?>
@@ -14618,6 +14627,14 @@
 </file>
 
 <file path=customXml/itemProps1.xml><?xml version="1.0" encoding="utf-8"?>
+<ds:datastoreItem xmlns:ds="http://schemas.openxmlformats.org/officeDocument/2006/customXml" ds:itemID="{0FD6FE22-81A0-4500-AFD0-342D21BB9A2C}">
+  <ds:schemaRefs>
+    <ds:schemaRef ds:uri="http://schemas.microsoft.com/sharepoint/v3/contenttype/forms"/>
+  </ds:schemaRefs>
+</ds:datastoreItem>
+</file>
+
+<file path=customXml/itemProps2.xml><?xml version="1.0" encoding="utf-8"?>
 <ds:datastoreItem xmlns:ds="http://schemas.openxmlformats.org/officeDocument/2006/customXml" ds:itemID="{29C43685-694E-4579-B109-3C418D49DA65}">
   <ds:schemaRefs>
     <ds:schemaRef ds:uri="http://schemas.microsoft.com/office/2006/metadata/properties"/>
@@ -14625,14 +14642,6 @@
     <ds:schemaRef ds:uri="http://schemas.microsoft.com/sharepoint/v3"/>
     <ds:schemaRef ds:uri="71af3243-3dd4-4a8d-8c0d-dd76da1f02a5"/>
     <ds:schemaRef ds:uri="230e9df3-be65-4c73-a93b-d1236ebd677e"/>
-  </ds:schemaRefs>
-</ds:datastoreItem>
-</file>
-
-<file path=customXml/itemProps2.xml><?xml version="1.0" encoding="utf-8"?>
-<ds:datastoreItem xmlns:ds="http://schemas.openxmlformats.org/officeDocument/2006/customXml" ds:itemID="{0FD6FE22-81A0-4500-AFD0-342D21BB9A2C}">
-  <ds:schemaRefs>
-    <ds:schemaRef ds:uri="http://schemas.microsoft.com/sharepoint/v3/contenttype/forms"/>
   </ds:schemaRefs>
 </ds:datastoreItem>
 </file>
